--- a/day3-review.pptx
+++ b/day3-review.pptx
@@ -5,7 +5,7 @@
     <p:sldMasterId id="2147483648" r:id="rId1"/>
   </p:sldMasterIdLst>
   <p:notesMasterIdLst>
-    <p:notesMasterId r:id="rId7"/>
+    <p:notesMasterId r:id="rId9"/>
   </p:notesMasterIdLst>
   <p:sldIdLst>
     <p:sldId id="257" r:id="rId2"/>
@@ -13,6 +13,8 @@
     <p:sldId id="259" r:id="rId4"/>
     <p:sldId id="260" r:id="rId5"/>
     <p:sldId id="261" r:id="rId6"/>
+    <p:sldId id="262" r:id="rId7"/>
+    <p:sldId id="263" r:id="rId8"/>
   </p:sldIdLst>
   <p:sldSz cx="9144000" cy="6858000" type="screen4x3"/>
   <p:notesSz cx="6858000" cy="9144000"/>
@@ -196,7 +198,7 @@
           <a:p>
             <a:fld id="{7E606E04-4287-FC46-B3F7-13FA665EE46E}" type="datetimeFigureOut">
               <a:rPr lang="en-US" smtClean="0"/>
-              <a:t>7/30/15</a:t>
+              <a:t>6/16/16</a:t>
             </a:fld>
             <a:endParaRPr lang="en-US"/>
           </a:p>
@@ -1019,6 +1021,228 @@
 </p:notes>
 </file>
 
+<file path=ppt/notesSlides/notesSlide6.xml><?xml version="1.0" encoding="utf-8"?>
+<p:notes xmlns:a="http://schemas.openxmlformats.org/drawingml/2006/main" xmlns:r="http://schemas.openxmlformats.org/officeDocument/2006/relationships" xmlns:p="http://schemas.openxmlformats.org/presentationml/2006/main" showMasterSp="0" showMasterPhAnim="0">
+  <p:cSld>
+    <p:spTree>
+      <p:nvGrpSpPr>
+        <p:cNvPr id="1" name="Shape 31"/>
+        <p:cNvGrpSpPr/>
+        <p:nvPr/>
+      </p:nvGrpSpPr>
+      <p:grpSpPr>
+        <a:xfrm>
+          <a:off x="0" y="0"/>
+          <a:ext cx="0" cy="0"/>
+          <a:chOff x="0" y="0"/>
+          <a:chExt cx="0" cy="0"/>
+        </a:xfrm>
+      </p:grpSpPr>
+      <p:sp>
+        <p:nvSpPr>
+          <p:cNvPr id="32" name="Shape 32"/>
+          <p:cNvSpPr>
+            <a:spLocks noGrp="1" noRot="1" noChangeAspect="1"/>
+          </p:cNvSpPr>
+          <p:nvPr>
+            <p:ph type="sldImg" idx="2"/>
+          </p:nvPr>
+        </p:nvSpPr>
+        <p:spPr>
+          <a:xfrm>
+            <a:off x="1143000" y="685800"/>
+            <a:ext cx="4572000" cy="3429000"/>
+          </a:xfrm>
+          <a:custGeom>
+            <a:avLst/>
+            <a:gdLst/>
+            <a:ahLst/>
+            <a:cxnLst/>
+            <a:rect l="0" t="0" r="0" b="0"/>
+            <a:pathLst>
+              <a:path w="120000" h="120000" extrusionOk="0">
+                <a:moveTo>
+                  <a:pt x="0" y="0"/>
+                </a:moveTo>
+                <a:lnTo>
+                  <a:pt x="120000" y="0"/>
+                </a:lnTo>
+                <a:lnTo>
+                  <a:pt x="120000" y="120000"/>
+                </a:lnTo>
+                <a:lnTo>
+                  <a:pt x="0" y="120000"/>
+                </a:lnTo>
+                <a:close/>
+              </a:path>
+            </a:pathLst>
+          </a:custGeom>
+          <a:noFill/>
+          <a:ln w="9525" cap="flat">
+            <a:solidFill>
+              <a:srgbClr val="000000"/>
+            </a:solidFill>
+            <a:prstDash val="solid"/>
+            <a:round/>
+            <a:headEnd type="none" w="med" len="med"/>
+            <a:tailEnd type="none" w="med" len="med"/>
+          </a:ln>
+        </p:spPr>
+      </p:sp>
+      <p:sp>
+        <p:nvSpPr>
+          <p:cNvPr id="33" name="Shape 33"/>
+          <p:cNvSpPr txBox="1">
+            <a:spLocks noGrp="1"/>
+          </p:cNvSpPr>
+          <p:nvPr>
+            <p:ph type="body" idx="1"/>
+          </p:nvPr>
+        </p:nvSpPr>
+        <p:spPr>
+          <a:xfrm>
+            <a:off x="685800" y="4343400"/>
+            <a:ext cx="5486399" cy="4114800"/>
+          </a:xfrm>
+          <a:prstGeom prst="rect">
+            <a:avLst/>
+          </a:prstGeom>
+        </p:spPr>
+        <p:txBody>
+          <a:bodyPr lIns="91425" tIns="91425" rIns="91425" bIns="91425" anchor="t" anchorCtr="0">
+            <a:noAutofit/>
+          </a:bodyPr>
+          <a:lstStyle/>
+          <a:p>
+            <a:pPr>
+              <a:spcBef>
+                <a:spcPts val="0"/>
+              </a:spcBef>
+              <a:buNone/>
+            </a:pPr>
+            <a:endParaRPr/>
+          </a:p>
+        </p:txBody>
+      </p:sp>
+    </p:spTree>
+  </p:cSld>
+  <p:clrMapOvr>
+    <a:masterClrMapping/>
+  </p:clrMapOvr>
+</p:notes>
+</file>
+
+<file path=ppt/notesSlides/notesSlide7.xml><?xml version="1.0" encoding="utf-8"?>
+<p:notes xmlns:a="http://schemas.openxmlformats.org/drawingml/2006/main" xmlns:r="http://schemas.openxmlformats.org/officeDocument/2006/relationships" xmlns:p="http://schemas.openxmlformats.org/presentationml/2006/main" showMasterSp="0" showMasterPhAnim="0">
+  <p:cSld>
+    <p:spTree>
+      <p:nvGrpSpPr>
+        <p:cNvPr id="1" name="Shape 31"/>
+        <p:cNvGrpSpPr/>
+        <p:nvPr/>
+      </p:nvGrpSpPr>
+      <p:grpSpPr>
+        <a:xfrm>
+          <a:off x="0" y="0"/>
+          <a:ext cx="0" cy="0"/>
+          <a:chOff x="0" y="0"/>
+          <a:chExt cx="0" cy="0"/>
+        </a:xfrm>
+      </p:grpSpPr>
+      <p:sp>
+        <p:nvSpPr>
+          <p:cNvPr id="32" name="Shape 32"/>
+          <p:cNvSpPr>
+            <a:spLocks noGrp="1" noRot="1" noChangeAspect="1"/>
+          </p:cNvSpPr>
+          <p:nvPr>
+            <p:ph type="sldImg" idx="2"/>
+          </p:nvPr>
+        </p:nvSpPr>
+        <p:spPr>
+          <a:xfrm>
+            <a:off x="1143000" y="685800"/>
+            <a:ext cx="4572000" cy="3429000"/>
+          </a:xfrm>
+          <a:custGeom>
+            <a:avLst/>
+            <a:gdLst/>
+            <a:ahLst/>
+            <a:cxnLst/>
+            <a:rect l="0" t="0" r="0" b="0"/>
+            <a:pathLst>
+              <a:path w="120000" h="120000" extrusionOk="0">
+                <a:moveTo>
+                  <a:pt x="0" y="0"/>
+                </a:moveTo>
+                <a:lnTo>
+                  <a:pt x="120000" y="0"/>
+                </a:lnTo>
+                <a:lnTo>
+                  <a:pt x="120000" y="120000"/>
+                </a:lnTo>
+                <a:lnTo>
+                  <a:pt x="0" y="120000"/>
+                </a:lnTo>
+                <a:close/>
+              </a:path>
+            </a:pathLst>
+          </a:custGeom>
+          <a:noFill/>
+          <a:ln w="9525" cap="flat">
+            <a:solidFill>
+              <a:srgbClr val="000000"/>
+            </a:solidFill>
+            <a:prstDash val="solid"/>
+            <a:round/>
+            <a:headEnd type="none" w="med" len="med"/>
+            <a:tailEnd type="none" w="med" len="med"/>
+          </a:ln>
+        </p:spPr>
+      </p:sp>
+      <p:sp>
+        <p:nvSpPr>
+          <p:cNvPr id="33" name="Shape 33"/>
+          <p:cNvSpPr txBox="1">
+            <a:spLocks noGrp="1"/>
+          </p:cNvSpPr>
+          <p:nvPr>
+            <p:ph type="body" idx="1"/>
+          </p:nvPr>
+        </p:nvSpPr>
+        <p:spPr>
+          <a:xfrm>
+            <a:off x="685800" y="4343400"/>
+            <a:ext cx="5486399" cy="4114800"/>
+          </a:xfrm>
+          <a:prstGeom prst="rect">
+            <a:avLst/>
+          </a:prstGeom>
+        </p:spPr>
+        <p:txBody>
+          <a:bodyPr lIns="91425" tIns="91425" rIns="91425" bIns="91425" anchor="t" anchorCtr="0">
+            <a:noAutofit/>
+          </a:bodyPr>
+          <a:lstStyle/>
+          <a:p>
+            <a:pPr>
+              <a:spcBef>
+                <a:spcPts val="0"/>
+              </a:spcBef>
+              <a:buNone/>
+            </a:pPr>
+            <a:endParaRPr/>
+          </a:p>
+        </p:txBody>
+      </p:sp>
+    </p:spTree>
+  </p:cSld>
+  <p:clrMapOvr>
+    <a:masterClrMapping/>
+  </p:clrMapOvr>
+</p:notes>
+</file>
+
 <file path=ppt/slideLayouts/slideLayout1.xml><?xml version="1.0" encoding="utf-8"?>
 <p:sldLayout xmlns:a="http://schemas.openxmlformats.org/drawingml/2006/main" xmlns:r="http://schemas.openxmlformats.org/officeDocument/2006/relationships" xmlns:p="http://schemas.openxmlformats.org/presentationml/2006/main" type="title" preserve="1">
   <p:cSld name="Title Slide">
@@ -1200,7 +1424,7 @@
           <a:p>
             <a:fld id="{7D246241-80F5-AC42-BC66-87EE2513DBA4}" type="datetimeFigureOut">
               <a:rPr lang="en-US" smtClean="0"/>
-              <a:t>7/30/15</a:t>
+              <a:t>6/16/16</a:t>
             </a:fld>
             <a:endParaRPr lang="en-US"/>
           </a:p>
@@ -1370,7 +1594,7 @@
           <a:p>
             <a:fld id="{7D246241-80F5-AC42-BC66-87EE2513DBA4}" type="datetimeFigureOut">
               <a:rPr lang="en-US" smtClean="0"/>
-              <a:t>7/30/15</a:t>
+              <a:t>6/16/16</a:t>
             </a:fld>
             <a:endParaRPr lang="en-US"/>
           </a:p>
@@ -1550,7 +1774,7 @@
           <a:p>
             <a:fld id="{7D246241-80F5-AC42-BC66-87EE2513DBA4}" type="datetimeFigureOut">
               <a:rPr lang="en-US" smtClean="0"/>
-              <a:t>7/30/15</a:t>
+              <a:t>6/16/16</a:t>
             </a:fld>
             <a:endParaRPr lang="en-US"/>
           </a:p>
@@ -2025,7 +2249,7 @@
           <a:p>
             <a:fld id="{7D246241-80F5-AC42-BC66-87EE2513DBA4}" type="datetimeFigureOut">
               <a:rPr lang="en-US" smtClean="0"/>
-              <a:t>7/30/15</a:t>
+              <a:t>6/16/16</a:t>
             </a:fld>
             <a:endParaRPr lang="en-US"/>
           </a:p>
@@ -2271,7 +2495,7 @@
           <a:p>
             <a:fld id="{7D246241-80F5-AC42-BC66-87EE2513DBA4}" type="datetimeFigureOut">
               <a:rPr lang="en-US" smtClean="0"/>
-              <a:t>7/30/15</a:t>
+              <a:t>6/16/16</a:t>
             </a:fld>
             <a:endParaRPr lang="en-US"/>
           </a:p>
@@ -2559,7 +2783,7 @@
           <a:p>
             <a:fld id="{7D246241-80F5-AC42-BC66-87EE2513DBA4}" type="datetimeFigureOut">
               <a:rPr lang="en-US" smtClean="0"/>
-              <a:t>7/30/15</a:t>
+              <a:t>6/16/16</a:t>
             </a:fld>
             <a:endParaRPr lang="en-US"/>
           </a:p>
@@ -2981,7 +3205,7 @@
           <a:p>
             <a:fld id="{7D246241-80F5-AC42-BC66-87EE2513DBA4}" type="datetimeFigureOut">
               <a:rPr lang="en-US" smtClean="0"/>
-              <a:t>7/30/15</a:t>
+              <a:t>6/16/16</a:t>
             </a:fld>
             <a:endParaRPr lang="en-US"/>
           </a:p>
@@ -3099,7 +3323,7 @@
           <a:p>
             <a:fld id="{7D246241-80F5-AC42-BC66-87EE2513DBA4}" type="datetimeFigureOut">
               <a:rPr lang="en-US" smtClean="0"/>
-              <a:t>7/30/15</a:t>
+              <a:t>6/16/16</a:t>
             </a:fld>
             <a:endParaRPr lang="en-US"/>
           </a:p>
@@ -3194,7 +3418,7 @@
           <a:p>
             <a:fld id="{7D246241-80F5-AC42-BC66-87EE2513DBA4}" type="datetimeFigureOut">
               <a:rPr lang="en-US" smtClean="0"/>
-              <a:t>7/30/15</a:t>
+              <a:t>6/16/16</a:t>
             </a:fld>
             <a:endParaRPr lang="en-US"/>
           </a:p>
@@ -3471,7 +3695,7 @@
           <a:p>
             <a:fld id="{7D246241-80F5-AC42-BC66-87EE2513DBA4}" type="datetimeFigureOut">
               <a:rPr lang="en-US" smtClean="0"/>
-              <a:t>7/30/15</a:t>
+              <a:t>6/16/16</a:t>
             </a:fld>
             <a:endParaRPr lang="en-US"/>
           </a:p>
@@ -3724,7 +3948,7 @@
           <a:p>
             <a:fld id="{7D246241-80F5-AC42-BC66-87EE2513DBA4}" type="datetimeFigureOut">
               <a:rPr lang="en-US" smtClean="0"/>
-              <a:t>7/30/15</a:t>
+              <a:t>6/16/16</a:t>
             </a:fld>
             <a:endParaRPr lang="en-US"/>
           </a:p>
@@ -3937,7 +4161,7 @@
           <a:p>
             <a:fld id="{7D246241-80F5-AC42-BC66-87EE2513DBA4}" type="datetimeFigureOut">
               <a:rPr lang="en-US" smtClean="0"/>
-              <a:t>7/30/15</a:t>
+              <a:t>6/16/16</a:t>
             </a:fld>
             <a:endParaRPr lang="en-US"/>
           </a:p>
@@ -4397,11 +4621,7 @@
             </a:pPr>
             <a:r>
               <a:rPr lang="en-US" dirty="0" smtClean="0"/>
-              <a:t>HILT </a:t>
-            </a:r>
-            <a:r>
-              <a:rPr lang="en-US" dirty="0" smtClean="0"/>
-              <a:t>2015</a:t>
+              <a:t>HILT 2015</a:t>
             </a:r>
             <a:endParaRPr lang="en" dirty="0"/>
           </a:p>
@@ -4698,7 +4918,17 @@
                 <a:latin typeface="Yanone Kaffeesatz Bold"/>
                 <a:cs typeface="Yanone Kaffeesatz Bold"/>
               </a:rPr>
-              <a:t>Tomorrow</a:t>
+              <a:t>Today (at show </a:t>
+            </a:r>
+            <a:r>
+              <a:rPr lang="en-US" sz="7200" smtClean="0">
+                <a:solidFill>
+                  <a:srgbClr val="FF0000"/>
+                </a:solidFill>
+                <a:latin typeface="Yanone Kaffeesatz Bold"/>
+                <a:cs typeface="Yanone Kaffeesatz Bold"/>
+              </a:rPr>
+              <a:t>and tell)</a:t>
             </a:r>
             <a:endParaRPr lang="en" sz="7200" dirty="0">
               <a:solidFill>
@@ -4913,11 +5143,7 @@
             </a:pPr>
             <a:r>
               <a:rPr lang="en-US" dirty="0" smtClean="0"/>
-              <a:t>Use </a:t>
-            </a:r>
-            <a:r>
-              <a:rPr lang="en-US" dirty="0" smtClean="0"/>
-              <a:t>our mad ruby </a:t>
+              <a:t>Use our mad ruby </a:t>
             </a:r>
             <a:r>
               <a:rPr lang="en-US" dirty="0" err="1" smtClean="0"/>
@@ -4925,15 +5151,7 @@
             </a:r>
             <a:r>
               <a:rPr lang="en-US" dirty="0" smtClean="0"/>
-              <a:t> to </a:t>
-            </a:r>
-            <a:r>
-              <a:rPr lang="en-US" dirty="0" smtClean="0"/>
-              <a:t>finish a </a:t>
-            </a:r>
-            <a:r>
-              <a:rPr lang="en-US" dirty="0" smtClean="0"/>
-              <a:t>Rails app</a:t>
+              <a:t> to finish a Rails app</a:t>
             </a:r>
           </a:p>
           <a:p>
@@ -4953,7 +5171,7 @@
             </a:pPr>
             <a:r>
               <a:rPr lang="en-US" dirty="0" smtClean="0"/>
-              <a:t>Explore your own project ideas</a:t>
+              <a:t>Explore your own project ideas if time allows</a:t>
             </a:r>
           </a:p>
         </p:txBody>
@@ -5144,6 +5362,528 @@
     <p:extLst>
       <p:ext uri="{BB962C8B-B14F-4D97-AF65-F5344CB8AC3E}">
         <p14:creationId xmlns:p14="http://schemas.microsoft.com/office/powerpoint/2010/main" val="4198822069"/>
+      </p:ext>
+    </p:extLst>
+  </p:cSld>
+  <p:clrMapOvr>
+    <a:masterClrMapping/>
+  </p:clrMapOvr>
+  <p:transition xmlns:p14="http://schemas.microsoft.com/office/powerpoint/2010/main" spd="slow">
+    <p:cut/>
+  </p:transition>
+  <p:timing>
+    <p:tnLst>
+      <p:par>
+        <p:cTn xmlns:p14="http://schemas.microsoft.com/office/powerpoint/2010/main" id="1" dur="indefinite" restart="never" nodeType="tmRoot"/>
+      </p:par>
+    </p:tnLst>
+  </p:timing>
+</p:sld>
+</file>
+
+<file path=ppt/slides/slide6.xml><?xml version="1.0" encoding="utf-8"?>
+<p:sld xmlns:a="http://schemas.openxmlformats.org/drawingml/2006/main" xmlns:r="http://schemas.openxmlformats.org/officeDocument/2006/relationships" xmlns:p="http://schemas.openxmlformats.org/presentationml/2006/main">
+  <p:cSld>
+    <p:spTree>
+      <p:nvGrpSpPr>
+        <p:cNvPr id="1" name="Shape 28"/>
+        <p:cNvGrpSpPr/>
+        <p:nvPr/>
+      </p:nvGrpSpPr>
+      <p:grpSpPr>
+        <a:xfrm>
+          <a:off x="0" y="0"/>
+          <a:ext cx="0" cy="0"/>
+          <a:chOff x="0" y="0"/>
+          <a:chExt cx="0" cy="0"/>
+        </a:xfrm>
+      </p:grpSpPr>
+      <p:sp>
+        <p:nvSpPr>
+          <p:cNvPr id="29" name="Shape 29"/>
+          <p:cNvSpPr txBox="1">
+            <a:spLocks noGrp="1"/>
+          </p:cNvSpPr>
+          <p:nvPr>
+            <p:ph type="title"/>
+          </p:nvPr>
+        </p:nvSpPr>
+        <p:spPr>
+          <a:xfrm>
+            <a:off x="457200" y="274637"/>
+            <a:ext cx="8229600" cy="1143000"/>
+          </a:xfrm>
+          <a:prstGeom prst="rect">
+            <a:avLst/>
+          </a:prstGeom>
+        </p:spPr>
+        <p:txBody>
+          <a:bodyPr lIns="91425" tIns="91425" rIns="91425" bIns="91425" anchor="b" anchorCtr="0">
+            <a:noAutofit/>
+          </a:bodyPr>
+          <a:lstStyle/>
+          <a:p>
+            <a:pPr>
+              <a:spcBef>
+                <a:spcPts val="0"/>
+              </a:spcBef>
+              <a:buNone/>
+            </a:pPr>
+            <a:r>
+              <a:rPr lang="en-US" sz="7200" dirty="0" smtClean="0">
+                <a:solidFill>
+                  <a:srgbClr val="FF0000"/>
+                </a:solidFill>
+                <a:latin typeface="Yanone Kaffeesatz Bold"/>
+                <a:cs typeface="Yanone Kaffeesatz Bold"/>
+              </a:rPr>
+              <a:t>Apps built in Rails</a:t>
+            </a:r>
+            <a:endParaRPr lang="en" sz="7200" dirty="0">
+              <a:solidFill>
+                <a:srgbClr val="FF0000"/>
+              </a:solidFill>
+              <a:latin typeface="Yanone Kaffeesatz Bold"/>
+              <a:cs typeface="Yanone Kaffeesatz Bold"/>
+            </a:endParaRPr>
+          </a:p>
+        </p:txBody>
+      </p:sp>
+      <p:sp>
+        <p:nvSpPr>
+          <p:cNvPr id="30" name="Shape 30"/>
+          <p:cNvSpPr txBox="1">
+            <a:spLocks noGrp="1"/>
+          </p:cNvSpPr>
+          <p:nvPr>
+            <p:ph type="body" idx="1"/>
+          </p:nvPr>
+        </p:nvSpPr>
+        <p:spPr>
+          <a:xfrm>
+            <a:off x="457200" y="1600200"/>
+            <a:ext cx="8229600" cy="4967700"/>
+          </a:xfrm>
+          <a:prstGeom prst="rect">
+            <a:avLst/>
+          </a:prstGeom>
+        </p:spPr>
+        <p:txBody>
+          <a:bodyPr lIns="91425" tIns="91425" rIns="91425" bIns="91425" anchor="t" anchorCtr="0">
+            <a:noAutofit/>
+          </a:bodyPr>
+          <a:lstStyle/>
+          <a:p>
+            <a:pPr marL="457200" lvl="0" indent="-419100" rtl="0">
+              <a:lnSpc>
+                <a:spcPct val="130000"/>
+              </a:lnSpc>
+              <a:spcBef>
+                <a:spcPts val="0"/>
+              </a:spcBef>
+              <a:buClr>
+                <a:schemeClr val="dk1"/>
+              </a:buClr>
+              <a:buSzPct val="100000"/>
+              <a:buFont typeface="Arial"/>
+              <a:buChar char="●"/>
+            </a:pPr>
+            <a:r>
+              <a:rPr lang="en-US" dirty="0" err="1" smtClean="0"/>
+              <a:t>AirBnB</a:t>
+            </a:r>
+            <a:endParaRPr lang="en-US" dirty="0" smtClean="0"/>
+          </a:p>
+          <a:p>
+            <a:pPr marL="457200" lvl="0" indent="-419100" rtl="0">
+              <a:lnSpc>
+                <a:spcPct val="130000"/>
+              </a:lnSpc>
+              <a:spcBef>
+                <a:spcPts val="0"/>
+              </a:spcBef>
+              <a:buClr>
+                <a:schemeClr val="dk1"/>
+              </a:buClr>
+              <a:buSzPct val="100000"/>
+              <a:buFont typeface="Arial"/>
+              <a:buChar char="●"/>
+            </a:pPr>
+            <a:r>
+              <a:rPr lang="en-US" dirty="0" smtClean="0"/>
+              <a:t>Twitter (used to be)</a:t>
+            </a:r>
+          </a:p>
+          <a:p>
+            <a:pPr marL="457200" lvl="0" indent="-419100" rtl="0">
+              <a:lnSpc>
+                <a:spcPct val="130000"/>
+              </a:lnSpc>
+              <a:spcBef>
+                <a:spcPts val="0"/>
+              </a:spcBef>
+              <a:buClr>
+                <a:schemeClr val="dk1"/>
+              </a:buClr>
+              <a:buSzPct val="100000"/>
+              <a:buFont typeface="Arial"/>
+              <a:buChar char="●"/>
+            </a:pPr>
+            <a:r>
+              <a:rPr lang="en-US" dirty="0" smtClean="0"/>
+              <a:t>Urban Dictionary</a:t>
+            </a:r>
+          </a:p>
+          <a:p>
+            <a:pPr marL="457200" lvl="0" indent="-419100" rtl="0">
+              <a:lnSpc>
+                <a:spcPct val="130000"/>
+              </a:lnSpc>
+              <a:spcBef>
+                <a:spcPts val="0"/>
+              </a:spcBef>
+              <a:buClr>
+                <a:schemeClr val="dk1"/>
+              </a:buClr>
+              <a:buSzPct val="100000"/>
+              <a:buFont typeface="Arial"/>
+              <a:buChar char="●"/>
+            </a:pPr>
+            <a:r>
+              <a:rPr lang="en-US" dirty="0" err="1" smtClean="0"/>
+              <a:t>Hulu</a:t>
+            </a:r>
+            <a:endParaRPr lang="en-US" dirty="0" smtClean="0"/>
+          </a:p>
+          <a:p>
+            <a:pPr marL="457200" lvl="0" indent="-419100" rtl="0">
+              <a:lnSpc>
+                <a:spcPct val="130000"/>
+              </a:lnSpc>
+              <a:spcBef>
+                <a:spcPts val="0"/>
+              </a:spcBef>
+              <a:buClr>
+                <a:schemeClr val="dk1"/>
+              </a:buClr>
+              <a:buSzPct val="100000"/>
+              <a:buFont typeface="Arial"/>
+              <a:buChar char="●"/>
+            </a:pPr>
+            <a:r>
+              <a:rPr lang="en-US" dirty="0" smtClean="0"/>
+              <a:t>Basecamp</a:t>
+            </a:r>
+          </a:p>
+          <a:p>
+            <a:pPr marL="457200" lvl="0" indent="-419100" rtl="0">
+              <a:lnSpc>
+                <a:spcPct val="130000"/>
+              </a:lnSpc>
+              <a:spcBef>
+                <a:spcPts val="0"/>
+              </a:spcBef>
+              <a:buClr>
+                <a:schemeClr val="dk1"/>
+              </a:buClr>
+              <a:buSzPct val="100000"/>
+              <a:buFont typeface="Arial"/>
+              <a:buChar char="●"/>
+            </a:pPr>
+            <a:r>
+              <a:rPr lang="en-US" dirty="0" smtClean="0"/>
+              <a:t>Funny or Die</a:t>
+            </a:r>
+          </a:p>
+          <a:p>
+            <a:pPr marL="457200" lvl="0" indent="-419100" rtl="0">
+              <a:lnSpc>
+                <a:spcPct val="130000"/>
+              </a:lnSpc>
+              <a:spcBef>
+                <a:spcPts val="0"/>
+              </a:spcBef>
+              <a:buClr>
+                <a:schemeClr val="dk1"/>
+              </a:buClr>
+              <a:buSzPct val="100000"/>
+              <a:buFont typeface="Arial"/>
+              <a:buChar char="●"/>
+            </a:pPr>
+            <a:r>
+              <a:rPr lang="en-US" dirty="0" err="1" smtClean="0"/>
+              <a:t>GitHub</a:t>
+            </a:r>
+            <a:r>
+              <a:rPr lang="en-US" dirty="0" smtClean="0"/>
+              <a:t> &lt;3</a:t>
+            </a:r>
+          </a:p>
+        </p:txBody>
+      </p:sp>
+    </p:spTree>
+    <p:extLst>
+      <p:ext uri="{BB962C8B-B14F-4D97-AF65-F5344CB8AC3E}">
+        <p14:creationId xmlns:p14="http://schemas.microsoft.com/office/powerpoint/2010/main" val="142873208"/>
+      </p:ext>
+    </p:extLst>
+  </p:cSld>
+  <p:clrMapOvr>
+    <a:masterClrMapping/>
+  </p:clrMapOvr>
+  <p:transition xmlns:p14="http://schemas.microsoft.com/office/powerpoint/2010/main" spd="slow">
+    <p:cut/>
+  </p:transition>
+  <p:timing>
+    <p:tnLst>
+      <p:par>
+        <p:cTn xmlns:p14="http://schemas.microsoft.com/office/powerpoint/2010/main" id="1" dur="indefinite" restart="never" nodeType="tmRoot"/>
+      </p:par>
+    </p:tnLst>
+  </p:timing>
+</p:sld>
+</file>
+
+<file path=ppt/slides/slide7.xml><?xml version="1.0" encoding="utf-8"?>
+<p:sld xmlns:a="http://schemas.openxmlformats.org/drawingml/2006/main" xmlns:r="http://schemas.openxmlformats.org/officeDocument/2006/relationships" xmlns:p="http://schemas.openxmlformats.org/presentationml/2006/main">
+  <p:cSld>
+    <p:spTree>
+      <p:nvGrpSpPr>
+        <p:cNvPr id="1" name="Shape 28"/>
+        <p:cNvGrpSpPr/>
+        <p:nvPr/>
+      </p:nvGrpSpPr>
+      <p:grpSpPr>
+        <a:xfrm>
+          <a:off x="0" y="0"/>
+          <a:ext cx="0" cy="0"/>
+          <a:chOff x="0" y="0"/>
+          <a:chExt cx="0" cy="0"/>
+        </a:xfrm>
+      </p:grpSpPr>
+      <p:sp>
+        <p:nvSpPr>
+          <p:cNvPr id="29" name="Shape 29"/>
+          <p:cNvSpPr txBox="1">
+            <a:spLocks noGrp="1"/>
+          </p:cNvSpPr>
+          <p:nvPr>
+            <p:ph type="title"/>
+          </p:nvPr>
+        </p:nvSpPr>
+        <p:spPr>
+          <a:xfrm>
+            <a:off x="457200" y="274637"/>
+            <a:ext cx="8229600" cy="1143000"/>
+          </a:xfrm>
+          <a:prstGeom prst="rect">
+            <a:avLst/>
+          </a:prstGeom>
+        </p:spPr>
+        <p:txBody>
+          <a:bodyPr lIns="91425" tIns="91425" rIns="91425" bIns="91425" anchor="b" anchorCtr="0">
+            <a:noAutofit/>
+          </a:bodyPr>
+          <a:lstStyle/>
+          <a:p>
+            <a:pPr>
+              <a:spcBef>
+                <a:spcPts val="0"/>
+              </a:spcBef>
+              <a:buNone/>
+            </a:pPr>
+            <a:r>
+              <a:rPr lang="en-US" sz="7200" dirty="0" smtClean="0">
+                <a:solidFill>
+                  <a:srgbClr val="FF0000"/>
+                </a:solidFill>
+                <a:latin typeface="Yanone Kaffeesatz Bold"/>
+                <a:cs typeface="Yanone Kaffeesatz Bold"/>
+              </a:rPr>
+              <a:t>DH Apps built in Rails</a:t>
+            </a:r>
+            <a:endParaRPr lang="en" sz="7200" dirty="0">
+              <a:solidFill>
+                <a:srgbClr val="FF0000"/>
+              </a:solidFill>
+              <a:latin typeface="Yanone Kaffeesatz Bold"/>
+              <a:cs typeface="Yanone Kaffeesatz Bold"/>
+            </a:endParaRPr>
+          </a:p>
+        </p:txBody>
+      </p:sp>
+      <p:sp>
+        <p:nvSpPr>
+          <p:cNvPr id="30" name="Shape 30"/>
+          <p:cNvSpPr txBox="1">
+            <a:spLocks noGrp="1"/>
+          </p:cNvSpPr>
+          <p:nvPr>
+            <p:ph type="body" idx="1"/>
+          </p:nvPr>
+        </p:nvSpPr>
+        <p:spPr>
+          <a:xfrm>
+            <a:off x="457200" y="1600200"/>
+            <a:ext cx="8229600" cy="4967700"/>
+          </a:xfrm>
+          <a:prstGeom prst="rect">
+            <a:avLst/>
+          </a:prstGeom>
+        </p:spPr>
+        <p:txBody>
+          <a:bodyPr lIns="91425" tIns="91425" rIns="91425" bIns="91425" anchor="t" anchorCtr="0">
+            <a:noAutofit/>
+          </a:bodyPr>
+          <a:lstStyle/>
+          <a:p>
+            <a:pPr marL="457200" lvl="0" indent="-419100" rtl="0">
+              <a:lnSpc>
+                <a:spcPct val="130000"/>
+              </a:lnSpc>
+              <a:spcBef>
+                <a:spcPts val="0"/>
+              </a:spcBef>
+              <a:buClr>
+                <a:schemeClr val="dk1"/>
+              </a:buClr>
+              <a:buSzPct val="100000"/>
+              <a:buFont typeface="Arial"/>
+              <a:buChar char="●"/>
+            </a:pPr>
+            <a:r>
+              <a:rPr lang="en-US" dirty="0" smtClean="0"/>
+              <a:t>Prism </a:t>
+            </a:r>
+          </a:p>
+          <a:p>
+            <a:pPr marL="857250" lvl="1" indent="-419100">
+              <a:lnSpc>
+                <a:spcPct val="130000"/>
+              </a:lnSpc>
+              <a:buClr>
+                <a:schemeClr val="dk1"/>
+              </a:buClr>
+              <a:buSzPct val="100000"/>
+              <a:buFont typeface="Arial"/>
+              <a:buChar char="●"/>
+            </a:pPr>
+            <a:r>
+              <a:rPr lang="en-US" dirty="0" err="1" smtClean="0"/>
+              <a:t>prism.scholarslab.org</a:t>
+            </a:r>
+            <a:endParaRPr lang="en-US" dirty="0" smtClean="0"/>
+          </a:p>
+          <a:p>
+            <a:pPr marL="457200" lvl="0" indent="-419100">
+              <a:lnSpc>
+                <a:spcPct val="130000"/>
+              </a:lnSpc>
+              <a:buClr>
+                <a:schemeClr val="dk1"/>
+              </a:buClr>
+              <a:buSzPct val="100000"/>
+              <a:buFont typeface="Arial"/>
+              <a:buChar char="●"/>
+            </a:pPr>
+            <a:r>
+              <a:rPr lang="en-US" dirty="0" smtClean="0"/>
+              <a:t>Edition of Jefferson’s </a:t>
+            </a:r>
+            <a:r>
+              <a:rPr lang="en-US" i="1" dirty="0" smtClean="0"/>
+              <a:t>Notes on the State of Virginia</a:t>
+            </a:r>
+          </a:p>
+          <a:p>
+            <a:pPr marL="857250" lvl="1" indent="-419100">
+              <a:lnSpc>
+                <a:spcPct val="130000"/>
+              </a:lnSpc>
+              <a:buClr>
+                <a:schemeClr val="dk1"/>
+              </a:buClr>
+              <a:buSzPct val="100000"/>
+              <a:buFont typeface="Arial"/>
+              <a:buChar char="●"/>
+            </a:pPr>
+            <a:r>
+              <a:rPr lang="en-US" dirty="0" smtClean="0">
+                <a:hlinkClick r:id="rId3"/>
+              </a:rPr>
+              <a:t>http</a:t>
+            </a:r>
+            <a:r>
+              <a:rPr lang="en-US" dirty="0">
+                <a:hlinkClick r:id="rId3"/>
+              </a:rPr>
+              <a:t>://jefferson-notes.herokuapp.com</a:t>
+            </a:r>
+            <a:r>
+              <a:rPr lang="en-US" dirty="0" smtClean="0">
+                <a:hlinkClick r:id="rId3"/>
+              </a:rPr>
+              <a:t>/</a:t>
+            </a:r>
+            <a:endParaRPr lang="en-US" dirty="0" smtClean="0"/>
+          </a:p>
+          <a:p>
+            <a:pPr marL="457200" indent="-419100">
+              <a:lnSpc>
+                <a:spcPct val="130000"/>
+              </a:lnSpc>
+              <a:buClr>
+                <a:schemeClr val="dk1"/>
+              </a:buClr>
+              <a:buSzPct val="100000"/>
+              <a:buFont typeface="Arial"/>
+              <a:buChar char="●"/>
+            </a:pPr>
+            <a:r>
+              <a:rPr lang="en-US" dirty="0" err="1" smtClean="0"/>
+              <a:t>Huon</a:t>
+            </a:r>
+            <a:r>
+              <a:rPr lang="en-US" dirty="0" smtClean="0"/>
+              <a:t> </a:t>
+            </a:r>
+            <a:r>
+              <a:rPr lang="en-US" dirty="0" err="1" smtClean="0"/>
+              <a:t>d’Auvergene</a:t>
+            </a:r>
+            <a:r>
+              <a:rPr lang="en-US" dirty="0" smtClean="0"/>
+              <a:t>: A Digital Edition</a:t>
+            </a:r>
+          </a:p>
+          <a:p>
+            <a:pPr marL="857250" lvl="1" indent="-419100">
+              <a:lnSpc>
+                <a:spcPct val="130000"/>
+              </a:lnSpc>
+              <a:buClr>
+                <a:schemeClr val="dk1"/>
+              </a:buClr>
+              <a:buSzPct val="100000"/>
+              <a:buFont typeface="Arial"/>
+              <a:buChar char="●"/>
+            </a:pPr>
+            <a:r>
+              <a:rPr lang="en-US" dirty="0"/>
+              <a:t>https://</a:t>
+            </a:r>
+            <a:r>
+              <a:rPr lang="en-US" dirty="0" err="1"/>
+              <a:t>huon-rails.herokuapp.com</a:t>
+            </a:r>
+            <a:endParaRPr lang="en-US" dirty="0" smtClean="0"/>
+          </a:p>
+        </p:txBody>
+      </p:sp>
+    </p:spTree>
+    <p:extLst>
+      <p:ext uri="{BB962C8B-B14F-4D97-AF65-F5344CB8AC3E}">
+        <p14:creationId xmlns:p14="http://schemas.microsoft.com/office/powerpoint/2010/main" val="1827446061"/>
       </p:ext>
     </p:extLst>
   </p:cSld>
